--- a/Genetics_Training_Program_2018_Retreat/Antaki_GTP_retreat_2018.pptx
+++ b/Genetics_Training_Program_2018_Retreat/Antaki_GTP_retreat_2018.pptx
@@ -18903,7 +18903,7 @@
             </a:pPr>
             <a:r>
               <a:rPr lang="en-US" sz="1600" b="1" dirty="0"/>
-              <a:t>SVs are more likely to illicit a functional change but detection carries the cost of a high FDR</a:t>
+              <a:t>SVs are more likely to elicit a functional change but detection carries the cost of a high FDR</a:t>
             </a:r>
           </a:p>
           <a:p>
@@ -19170,24 +19170,51 @@
                                   </p:childTnLst>
                                 </p:cTn>
                               </p:par>
+                              <p:par>
+                                <p:cTn id="13" presetID="1" presetClass="entr" presetSubtype="0" fill="hold" grpId="0" nodeType="withEffect">
+                                  <p:stCondLst>
+                                    <p:cond delay="0"/>
+                                  </p:stCondLst>
+                                  <p:childTnLst>
+                                    <p:set>
+                                      <p:cBhvr>
+                                        <p:cTn id="14" dur="1" fill="hold">
+                                          <p:stCondLst>
+                                            <p:cond delay="0"/>
+                                          </p:stCondLst>
+                                        </p:cTn>
+                                        <p:tgtEl>
+                                          <p:spTgt spid="41"/>
+                                        </p:tgtEl>
+                                        <p:attrNameLst>
+                                          <p:attrName>style.visibility</p:attrName>
+                                        </p:attrNameLst>
+                                      </p:cBhvr>
+                                      <p:to>
+                                        <p:strVal val="visible"/>
+                                      </p:to>
+                                    </p:set>
+                                  </p:childTnLst>
+                                </p:cTn>
+                              </p:par>
                             </p:childTnLst>
                           </p:cTn>
                         </p:par>
                         <p:par>
-                          <p:cTn id="13" fill="hold">
+                          <p:cTn id="15" fill="hold">
                             <p:stCondLst>
                               <p:cond delay="500"/>
                             </p:stCondLst>
                             <p:childTnLst>
                               <p:par>
-                                <p:cTn id="14" presetID="10" presetClass="entr" presetSubtype="0" fill="hold" grpId="0" nodeType="afterEffect">
+                                <p:cTn id="16" presetID="10" presetClass="entr" presetSubtype="0" fill="hold" grpId="0" nodeType="afterEffect">
                                   <p:stCondLst>
                                     <p:cond delay="1000"/>
                                   </p:stCondLst>
                                   <p:childTnLst>
                                     <p:set>
                                       <p:cBhvr>
-                                        <p:cTn id="15" dur="1" fill="hold">
+                                        <p:cTn id="17" dur="1" fill="hold">
                                           <p:stCondLst>
                                             <p:cond delay="0"/>
                                           </p:stCondLst>
@@ -19205,7 +19232,7 @@
                                     </p:set>
                                     <p:animEffect transition="in" filter="fade">
                                       <p:cBhvr>
-                                        <p:cTn id="16" dur="500"/>
+                                        <p:cTn id="18" dur="500"/>
                                         <p:tgtEl>
                                           <p:spTgt spid="39"/>
                                         </p:tgtEl>
@@ -19243,6 +19270,7 @@
     </p:tnLst>
     <p:bldLst>
       <p:bldP spid="39" grpId="0"/>
+      <p:bldP spid="41" grpId="0"/>
     </p:bldLst>
   </p:timing>
 </p:sld>
